--- a/LectureFiles/cshl/2014/RNASeq_Module2_Lecture.pptx
+++ b/LectureFiles/cshl/2014/RNASeq_Module2_Lecture.pptx
@@ -5,10 +5,10 @@
     <p:sldMasterId id="2147483648" r:id="rId1"/>
   </p:sldMasterIdLst>
   <p:notesMasterIdLst>
-    <p:notesMasterId r:id="rId30"/>
+    <p:notesMasterId r:id="rId31"/>
   </p:notesMasterIdLst>
   <p:handoutMasterIdLst>
-    <p:handoutMasterId r:id="rId31"/>
+    <p:handoutMasterId r:id="rId32"/>
   </p:handoutMasterIdLst>
   <p:sldIdLst>
     <p:sldId id="341" r:id="rId2"/>
@@ -35,10 +35,11 @@
     <p:sldId id="532" r:id="rId23"/>
     <p:sldId id="533" r:id="rId24"/>
     <p:sldId id="534" r:id="rId25"/>
-    <p:sldId id="535" r:id="rId26"/>
-    <p:sldId id="536" r:id="rId27"/>
-    <p:sldId id="538" r:id="rId28"/>
-    <p:sldId id="512" r:id="rId29"/>
+    <p:sldId id="539" r:id="rId26"/>
+    <p:sldId id="535" r:id="rId27"/>
+    <p:sldId id="536" r:id="rId28"/>
+    <p:sldId id="538" r:id="rId29"/>
+    <p:sldId id="512" r:id="rId30"/>
   </p:sldIdLst>
   <p:sldSz cx="9144000" cy="6858000" type="screen4x3"/>
   <p:notesSz cx="7315200" cy="9601200"/>
@@ -273,7 +274,7 @@
               <a:pPr>
                 <a:defRPr/>
               </a:pPr>
-              <a:t>11/16/14</a:t>
+              <a:t>11/18/14</a:t>
             </a:fld>
             <a:endParaRPr lang="en-US"/>
           </a:p>
@@ -480,7 +481,7 @@
               <a:pPr>
                 <a:defRPr/>
               </a:pPr>
-              <a:t>11/16/14</a:t>
+              <a:t>11/18/14</a:t>
             </a:fld>
             <a:endParaRPr lang="en-US"/>
           </a:p>
@@ -6225,7 +6226,7 @@
               <a:pPr>
                 <a:defRPr/>
               </a:pPr>
-              <a:t>11/16/14</a:t>
+              <a:t>11/18/14</a:t>
             </a:fld>
             <a:endParaRPr lang="en-US"/>
           </a:p>
@@ -11529,7 +11530,7 @@
           <a:lstStyle/>
           <a:p>
             <a:r>
-              <a:rPr lang="en-US">
+              <a:rPr lang="en-US" dirty="0">
                 <a:latin typeface="Calibri" charset="0"/>
                 <a:ea typeface="ＭＳ Ｐゴシック" charset="0"/>
               </a:rPr>
@@ -12467,6 +12468,134 @@
       </p:grpSpPr>
       <p:sp>
         <p:nvSpPr>
+          <p:cNvPr id="26625" name="Title 1"/>
+          <p:cNvSpPr>
+            <a:spLocks noGrp="1"/>
+          </p:cNvSpPr>
+          <p:nvPr>
+            <p:ph type="title"/>
+          </p:nvPr>
+        </p:nvSpPr>
+        <p:spPr>
+          <a:xfrm>
+            <a:off x="152400" y="-26988"/>
+            <a:ext cx="8839200" cy="1143001"/>
+          </a:xfrm>
+        </p:spPr>
+        <p:txBody>
+          <a:bodyPr/>
+          <a:lstStyle/>
+          <a:p>
+            <a:r>
+              <a:rPr lang="en-US" dirty="0">
+                <a:latin typeface="Calibri" charset="0"/>
+                <a:ea typeface="ＭＳ Ｐゴシック" charset="0"/>
+              </a:rPr>
+              <a:t>Common questions: What </a:t>
+            </a:r>
+            <a:r>
+              <a:rPr lang="en-US" dirty="0">
+                <a:latin typeface="Calibri" charset="0"/>
+                <a:ea typeface="ＭＳ Ｐゴシック" charset="0"/>
+              </a:rPr>
+              <a:t>if I don’t have a reference genome for my species?</a:t>
+            </a:r>
+          </a:p>
+        </p:txBody>
+      </p:sp>
+      <p:sp>
+        <p:nvSpPr>
+          <p:cNvPr id="3" name="Content Placeholder 2"/>
+          <p:cNvSpPr>
+            <a:spLocks noGrp="1"/>
+          </p:cNvSpPr>
+          <p:nvPr>
+            <p:ph idx="1"/>
+          </p:nvPr>
+        </p:nvSpPr>
+        <p:spPr/>
+        <p:txBody>
+          <a:bodyPr>
+            <a:normAutofit lnSpcReduction="10000"/>
+          </a:bodyPr>
+          <a:lstStyle/>
+          <a:p>
+            <a:pPr>
+              <a:defRPr/>
+            </a:pPr>
+            <a:r>
+              <a:rPr lang="en-US" dirty="0" smtClean="0"/>
+              <a:t>Have you considered sequencing the genome of your species?</a:t>
+            </a:r>
+          </a:p>
+          <a:p>
+            <a:pPr>
+              <a:defRPr/>
+            </a:pPr>
+            <a:endParaRPr lang="en-US" dirty="0"/>
+          </a:p>
+          <a:p>
+            <a:pPr>
+              <a:defRPr/>
+            </a:pPr>
+            <a:r>
+              <a:rPr lang="en-US" dirty="0" smtClean="0"/>
+              <a:t>If that is not practical or you simply prefer a transcript discovery approach that does not rely on prior knowledge of the genome or transcriptome there are some tools available ...</a:t>
+            </a:r>
+          </a:p>
+          <a:p>
+            <a:pPr lvl="1">
+              <a:defRPr/>
+            </a:pPr>
+            <a:r>
+              <a:rPr lang="en-US" dirty="0" smtClean="0"/>
+              <a:t>Unfortunately de novo transcriptome assembly is beyond the scope of this workshop</a:t>
+            </a:r>
+          </a:p>
+          <a:p>
+            <a:pPr lvl="1">
+              <a:defRPr/>
+            </a:pPr>
+            <a:r>
+              <a:rPr lang="en-US" dirty="0" smtClean="0"/>
+              <a:t>The good news is that the skills you learn here will help you figure out how to install and run those tools yourself</a:t>
+            </a:r>
+            <a:endParaRPr lang="en-US" dirty="0"/>
+          </a:p>
+        </p:txBody>
+      </p:sp>
+    </p:spTree>
+    <p:extLst>
+      <p:ext uri="{BB962C8B-B14F-4D97-AF65-F5344CB8AC3E}">
+        <p14:creationId xmlns:p14="http://schemas.microsoft.com/office/powerpoint/2010/main" val="2620517217"/>
+      </p:ext>
+    </p:extLst>
+  </p:cSld>
+  <p:clrMapOvr>
+    <a:masterClrMapping/>
+  </p:clrMapOvr>
+</p:sld>
+</file>
+
+<file path=ppt/slides/slide26.xml><?xml version="1.0" encoding="utf-8"?>
+<p:sld xmlns:a="http://schemas.openxmlformats.org/drawingml/2006/main" xmlns:r="http://schemas.openxmlformats.org/officeDocument/2006/relationships" xmlns:p="http://schemas.openxmlformats.org/presentationml/2006/main">
+  <p:cSld>
+    <p:spTree>
+      <p:nvGrpSpPr>
+        <p:cNvPr id="1" name=""/>
+        <p:cNvGrpSpPr/>
+        <p:nvPr/>
+      </p:nvGrpSpPr>
+      <p:grpSpPr>
+        <a:xfrm>
+          <a:off x="0" y="0"/>
+          <a:ext cx="0" cy="0"/>
+          <a:chOff x="0" y="0"/>
+          <a:chExt cx="0" cy="0"/>
+        </a:xfrm>
+      </p:grpSpPr>
+      <p:sp>
+        <p:nvSpPr>
           <p:cNvPr id="47105" name="Title 1"/>
           <p:cNvSpPr>
             <a:spLocks noGrp="1"/>
@@ -12678,7 +12807,7 @@
 </p:sld>
 </file>
 
-<file path=ppt/slides/slide26.xml><?xml version="1.0" encoding="utf-8"?>
+<file path=ppt/slides/slide27.xml><?xml version="1.0" encoding="utf-8"?>
 <p:sld xmlns:a="http://schemas.openxmlformats.org/drawingml/2006/main" xmlns:r="http://schemas.openxmlformats.org/officeDocument/2006/relationships" xmlns:p="http://schemas.openxmlformats.org/presentationml/2006/main">
   <p:cSld>
     <p:spTree>
@@ -12773,7 +12902,7 @@
 </p:sld>
 </file>
 
-<file path=ppt/slides/slide27.xml><?xml version="1.0" encoding="utf-8"?>
+<file path=ppt/slides/slide28.xml><?xml version="1.0" encoding="utf-8"?>
 <p:sld xmlns:a="http://schemas.openxmlformats.org/drawingml/2006/main" xmlns:r="http://schemas.openxmlformats.org/officeDocument/2006/relationships" xmlns:p="http://schemas.openxmlformats.org/presentationml/2006/main">
   <p:cSld>
     <p:spTree>
@@ -15280,7 +15409,7 @@
 </p:sld>
 </file>
 
-<file path=ppt/slides/slide28.xml><?xml version="1.0" encoding="utf-8"?>
+<file path=ppt/slides/slide29.xml><?xml version="1.0" encoding="utf-8"?>
 <p:sld xmlns:a="http://schemas.openxmlformats.org/drawingml/2006/main" xmlns:r="http://schemas.openxmlformats.org/officeDocument/2006/relationships" xmlns:p="http://schemas.openxmlformats.org/presentationml/2006/main">
   <p:cSld>
     <p:spTree>
